--- a/Presentations/NYC Sept/70-534 Feedback and TIps Niraj Kumar V 0.1.pptx
+++ b/Presentations/NYC Sept/70-534 Feedback and TIps Niraj Kumar V 0.1.pptx
@@ -21,8 +21,8 @@
     <p:sldId id="532" r:id="rId9"/>
     <p:sldId id="457" r:id="rId10"/>
     <p:sldId id="535" r:id="rId11"/>
-    <p:sldId id="536" r:id="rId12"/>
-    <p:sldId id="537" r:id="rId13"/>
+    <p:sldId id="539" r:id="rId12"/>
+    <p:sldId id="540" r:id="rId13"/>
     <p:sldId id="533" r:id="rId14"/>
     <p:sldId id="534" r:id="rId15"/>
   </p:sldIdLst>
@@ -134,8 +134,8 @@
             <p14:sldId id="532"/>
             <p14:sldId id="457"/>
             <p14:sldId id="535"/>
-            <p14:sldId id="536"/>
-            <p14:sldId id="537"/>
+            <p14:sldId id="539"/>
+            <p14:sldId id="540"/>
             <p14:sldId id="533"/>
             <p14:sldId id="534"/>
           </p14:sldIdLst>
@@ -160,125 +160,6 @@
 
 <file path=ppt/revisionInfo.xml><?xml version="1.0" encoding="utf-8"?>
 <p1510:revInfo xmlns:a="http://schemas.openxmlformats.org/drawingml/2006/main" xmlns:r="http://schemas.openxmlformats.org/officeDocument/2006/relationships" xmlns:p1510="http://schemas.microsoft.com/office/powerpoint/2015/10/main"/>
-</file>
-
-<file path=ppt/changesInfos/changesInfo1.xml><?xml version="1.0" encoding="utf-8"?>
-<pc:chgInfo xmlns:a="http://schemas.openxmlformats.org/drawingml/2006/main" xmlns:r="http://schemas.openxmlformats.org/officeDocument/2006/relationships" xmlns:ac="http://schemas.microsoft.com/office/drawing/2013/main/command" xmlns:pc="http://schemas.microsoft.com/office/powerpoint/2013/main/command">
-  <pc:docChgLst>
-    <pc:chgData name="Benjamin Day" userId="66759c6053a12290" providerId="LiveId" clId="{D92B6EBC-93D2-4FD7-AE9B-A9210CEE67D5}"/>
-    <pc:docChg chg="custSel addSld delSld modSld sldOrd modSection">
-      <pc:chgData name="Benjamin Day" userId="66759c6053a12290" providerId="LiveId" clId="{D92B6EBC-93D2-4FD7-AE9B-A9210CEE67D5}" dt="2017-06-09T16:19:00.048" v="16" actId="27636"/>
-      <pc:docMkLst>
-        <pc:docMk/>
-      </pc:docMkLst>
-      <pc:sldChg chg="modSp">
-        <pc:chgData name="Benjamin Day" userId="66759c6053a12290" providerId="LiveId" clId="{D92B6EBC-93D2-4FD7-AE9B-A9210CEE67D5}" dt="2017-06-09T16:17:39.574" v="5" actId="27636"/>
-        <pc:sldMkLst>
-          <pc:docMk/>
-          <pc:sldMk cId="1015487341" sldId="456"/>
-        </pc:sldMkLst>
-        <pc:spChg chg="mod">
-          <ac:chgData name="Benjamin Day" userId="66759c6053a12290" providerId="LiveId" clId="{D92B6EBC-93D2-4FD7-AE9B-A9210CEE67D5}" dt="2017-06-09T16:17:39.574" v="5" actId="27636"/>
-          <ac:spMkLst>
-            <pc:docMk/>
-            <pc:sldMk cId="1015487341" sldId="456"/>
-            <ac:spMk id="9" creationId="{00000000-0000-0000-0000-000000000000}"/>
-          </ac:spMkLst>
-        </pc:spChg>
-      </pc:sldChg>
-      <pc:sldChg chg="modSp">
-        <pc:chgData name="Benjamin Day" userId="66759c6053a12290" providerId="LiveId" clId="{D92B6EBC-93D2-4FD7-AE9B-A9210CEE67D5}" dt="2017-06-09T16:17:39.224" v="2" actId="27636"/>
-        <pc:sldMkLst>
-          <pc:docMk/>
-          <pc:sldMk cId="4020554474" sldId="464"/>
-        </pc:sldMkLst>
-        <pc:spChg chg="mod">
-          <ac:chgData name="Benjamin Day" userId="66759c6053a12290" providerId="LiveId" clId="{D92B6EBC-93D2-4FD7-AE9B-A9210CEE67D5}" dt="2017-06-09T16:17:39.224" v="2" actId="27636"/>
-          <ac:spMkLst>
-            <pc:docMk/>
-            <pc:sldMk cId="4020554474" sldId="464"/>
-            <ac:spMk id="6" creationId="{00000000-0000-0000-0000-000000000000}"/>
-          </ac:spMkLst>
-        </pc:spChg>
-      </pc:sldChg>
-      <pc:sldChg chg="modSp">
-        <pc:chgData name="Benjamin Day" userId="66759c6053a12290" providerId="LiveId" clId="{D92B6EBC-93D2-4FD7-AE9B-A9210CEE67D5}" dt="2017-06-09T16:17:39.380" v="3" actId="27636"/>
-        <pc:sldMkLst>
-          <pc:docMk/>
-          <pc:sldMk cId="1443028639" sldId="466"/>
-        </pc:sldMkLst>
-        <pc:spChg chg="mod">
-          <ac:chgData name="Benjamin Day" userId="66759c6053a12290" providerId="LiveId" clId="{D92B6EBC-93D2-4FD7-AE9B-A9210CEE67D5}" dt="2017-06-09T16:17:39.380" v="3" actId="27636"/>
-          <ac:spMkLst>
-            <pc:docMk/>
-            <pc:sldMk cId="1443028639" sldId="466"/>
-            <ac:spMk id="6" creationId="{00000000-0000-0000-0000-000000000000}"/>
-          </ac:spMkLst>
-        </pc:spChg>
-      </pc:sldChg>
-      <pc:sldChg chg="modSp">
-        <pc:chgData name="Benjamin Day" userId="66759c6053a12290" providerId="LiveId" clId="{D92B6EBC-93D2-4FD7-AE9B-A9210CEE67D5}" dt="2017-06-09T16:17:39.438" v="4" actId="27636"/>
-        <pc:sldMkLst>
-          <pc:docMk/>
-          <pc:sldMk cId="1630808258" sldId="488"/>
-        </pc:sldMkLst>
-        <pc:spChg chg="mod">
-          <ac:chgData name="Benjamin Day" userId="66759c6053a12290" providerId="LiveId" clId="{D92B6EBC-93D2-4FD7-AE9B-A9210CEE67D5}" dt="2017-06-09T16:17:39.438" v="4" actId="27636"/>
-          <ac:spMkLst>
-            <pc:docMk/>
-            <pc:sldMk cId="1630808258" sldId="488"/>
-            <ac:spMk id="3" creationId="{00000000-0000-0000-0000-000000000000}"/>
-          </ac:spMkLst>
-        </pc:spChg>
-      </pc:sldChg>
-      <pc:sldChg chg="modSp add del">
-        <pc:chgData name="Benjamin Day" userId="66759c6053a12290" providerId="LiveId" clId="{D92B6EBC-93D2-4FD7-AE9B-A9210CEE67D5}" dt="2017-06-09T16:18:38.961" v="10" actId="2696"/>
-        <pc:sldMkLst>
-          <pc:docMk/>
-          <pc:sldMk cId="2471584540" sldId="504"/>
-        </pc:sldMkLst>
-        <pc:spChg chg="mod">
-          <ac:chgData name="Benjamin Day" userId="66759c6053a12290" providerId="LiveId" clId="{D92B6EBC-93D2-4FD7-AE9B-A9210CEE67D5}" dt="2017-06-09T16:18:09.585" v="6" actId="404"/>
-          <ac:spMkLst>
-            <pc:docMk/>
-            <pc:sldMk cId="2471584540" sldId="504"/>
-            <ac:spMk id="2" creationId="{00000000-0000-0000-0000-000000000000}"/>
-          </ac:spMkLst>
-        </pc:spChg>
-        <pc:spChg chg="mod">
-          <ac:chgData name="Benjamin Day" userId="66759c6053a12290" providerId="LiveId" clId="{D92B6EBC-93D2-4FD7-AE9B-A9210CEE67D5}" dt="2017-06-09T16:17:38.604" v="1" actId="27636"/>
-          <ac:spMkLst>
-            <pc:docMk/>
-            <pc:sldMk cId="2471584540" sldId="504"/>
-            <ac:spMk id="7" creationId="{00000000-0000-0000-0000-000000000000}"/>
-          </ac:spMkLst>
-        </pc:spChg>
-      </pc:sldChg>
-      <pc:sldChg chg="add del">
-        <pc:chgData name="Benjamin Day" userId="66759c6053a12290" providerId="LiveId" clId="{D92B6EBC-93D2-4FD7-AE9B-A9210CEE67D5}" dt="2017-06-09T16:18:36.862" v="9" actId="2696"/>
-        <pc:sldMkLst>
-          <pc:docMk/>
-          <pc:sldMk cId="3130774208" sldId="505"/>
-        </pc:sldMkLst>
-      </pc:sldChg>
-      <pc:sldChg chg="modSp add ord">
-        <pc:chgData name="Benjamin Day" userId="66759c6053a12290" providerId="LiveId" clId="{D92B6EBC-93D2-4FD7-AE9B-A9210CEE67D5}" dt="2017-06-09T16:19:00.048" v="16" actId="27636"/>
-        <pc:sldMkLst>
-          <pc:docMk/>
-          <pc:sldMk cId="18194172" sldId="506"/>
-        </pc:sldMkLst>
-        <pc:spChg chg="mod">
-          <ac:chgData name="Benjamin Day" userId="66759c6053a12290" providerId="LiveId" clId="{D92B6EBC-93D2-4FD7-AE9B-A9210CEE67D5}" dt="2017-06-09T16:19:00.048" v="16" actId="27636"/>
-          <ac:spMkLst>
-            <pc:docMk/>
-            <pc:sldMk cId="18194172" sldId="506"/>
-            <ac:spMk id="7" creationId="{00000000-0000-0000-0000-000000000000}"/>
-          </ac:spMkLst>
-        </pc:spChg>
-      </pc:sldChg>
-    </pc:docChg>
-  </pc:docChgLst>
-</pc:chgInfo>
 </file>
 
 <file path=ppt/handoutMasters/handoutMaster1.xml><?xml version="1.0" encoding="utf-8"?>
@@ -1226,7 +1107,7 @@
     </p:spTree>
     <p:extLst>
       <p:ext uri="{BB962C8B-B14F-4D97-AF65-F5344CB8AC3E}">
-        <p14:creationId xmlns:p14="http://schemas.microsoft.com/office/powerpoint/2010/main" val="2499628859"/>
+        <p14:creationId xmlns:p14="http://schemas.microsoft.com/office/powerpoint/2010/main" val="3931255122"/>
       </p:ext>
     </p:extLst>
   </p:cSld>
@@ -1310,7 +1191,7 @@
     </p:spTree>
     <p:extLst>
       <p:ext uri="{BB962C8B-B14F-4D97-AF65-F5344CB8AC3E}">
-        <p14:creationId xmlns:p14="http://schemas.microsoft.com/office/powerpoint/2010/main" val="3696093661"/>
+        <p14:creationId xmlns:p14="http://schemas.microsoft.com/office/powerpoint/2010/main" val="668242280"/>
       </p:ext>
     </p:extLst>
   </p:cSld>
@@ -1394,7 +1275,7 @@
     </p:spTree>
     <p:extLst>
       <p:ext uri="{BB962C8B-B14F-4D97-AF65-F5344CB8AC3E}">
-        <p14:creationId xmlns:p14="http://schemas.microsoft.com/office/powerpoint/2010/main" val="3981570567"/>
+        <p14:creationId xmlns:p14="http://schemas.microsoft.com/office/powerpoint/2010/main" val="1116758073"/>
       </p:ext>
     </p:extLst>
   </p:cSld>
@@ -1478,7 +1359,7 @@
     </p:spTree>
     <p:extLst>
       <p:ext uri="{BB962C8B-B14F-4D97-AF65-F5344CB8AC3E}">
-        <p14:creationId xmlns:p14="http://schemas.microsoft.com/office/powerpoint/2010/main" val="2555241087"/>
+        <p14:creationId xmlns:p14="http://schemas.microsoft.com/office/powerpoint/2010/main" val="4054945666"/>
       </p:ext>
     </p:extLst>
   </p:cSld>
@@ -1835,7 +1716,7 @@
     </p:spTree>
     <p:extLst>
       <p:ext uri="{BB962C8B-B14F-4D97-AF65-F5344CB8AC3E}">
-        <p14:creationId xmlns:p14="http://schemas.microsoft.com/office/powerpoint/2010/main" val="3207078245"/>
+        <p14:creationId xmlns:p14="http://schemas.microsoft.com/office/powerpoint/2010/main" val="11343968"/>
       </p:ext>
     </p:extLst>
   </p:cSld>
@@ -1996,7 +1877,7 @@
     </p:spTree>
     <p:extLst>
       <p:ext uri="{BB962C8B-B14F-4D97-AF65-F5344CB8AC3E}">
-        <p14:creationId xmlns:p14="http://schemas.microsoft.com/office/powerpoint/2010/main" val="3437175766"/>
+        <p14:creationId xmlns:p14="http://schemas.microsoft.com/office/powerpoint/2010/main" val="1215717395"/>
       </p:ext>
     </p:extLst>
   </p:cSld>
@@ -27294,11 +27175,6 @@
 <file path=ppt/slides/slide7.xml><?xml version="1.0" encoding="utf-8"?>
 <p:sld xmlns:a="http://schemas.openxmlformats.org/drawingml/2006/main" xmlns:r="http://schemas.openxmlformats.org/officeDocument/2006/relationships" xmlns:p="http://schemas.openxmlformats.org/presentationml/2006/main">
   <p:cSld>
-    <p:bg>
-      <p:bgRef idx="1001">
-        <a:schemeClr val="bg1"/>
-      </p:bgRef>
-    </p:bg>
     <p:spTree>
       <p:nvGrpSpPr>
         <p:cNvPr id="1" name=""/>
@@ -27378,21 +27254,21 @@
             <a:pPr lvl="1"/>
             <a:r>
               <a:rPr lang="en-US" sz="2800" dirty="0"/>
-              <a:t>Gave right launch pad to start</a:t>
+              <a:t>The Session gave right launch pad to start</a:t>
             </a:r>
           </a:p>
           <a:p>
             <a:pPr lvl="1"/>
             <a:r>
               <a:rPr lang="en-US" sz="2800" dirty="0"/>
-              <a:t>Modular breakup of Course Curriculum was very helpful</a:t>
+              <a:t>Modular Course Curriculum was very helpful</a:t>
             </a:r>
           </a:p>
           <a:p>
             <a:pPr lvl="1"/>
             <a:r>
               <a:rPr lang="en-US" sz="2800" dirty="0"/>
-              <a:t>Jump Start documentation was very useful and informative</a:t>
+              <a:t>Documentation provided was very useful and informative</a:t>
             </a:r>
           </a:p>
           <a:p>
@@ -27405,7 +27281,14 @@
             <a:pPr lvl="1"/>
             <a:r>
               <a:rPr lang="en-US" sz="2800" dirty="0"/>
-              <a:t>Go register and sign up for the Exam( Online Proctored or Exam center)</a:t>
+              <a:t>Go register and sign up for the Exam(Online Proctored or Exam center)</a:t>
+            </a:r>
+          </a:p>
+          <a:p>
+            <a:pPr lvl="1"/>
+            <a:r>
+              <a:rPr lang="en-US" sz="2800" dirty="0"/>
+              <a:t>If you feel so purchase the practice exams (optional)</a:t>
             </a:r>
           </a:p>
           <a:p>
@@ -27419,25 +27302,18 @@
             <a:pPr lvl="1"/>
             <a:r>
               <a:rPr lang="en-US" sz="2800" dirty="0"/>
-              <a:t>Referred attached link list. </a:t>
+              <a:t>Quick Links </a:t>
             </a:r>
           </a:p>
           <a:p>
             <a:pPr lvl="1"/>
             <a:r>
               <a:rPr lang="en-US" sz="2800" dirty="0">
-                <a:solidFill>
-                  <a:srgbClr val="FF0000"/>
-                </a:solidFill>
                 <a:sym typeface="Wingdings" panose="05000000000000000000" pitchFamily="2" charset="2"/>
               </a:rPr>
-              <a:t>Do NOT try and bank on the brain dump questions on the internet !!!</a:t>
-            </a:r>
-            <a:endParaRPr lang="en-US" sz="2800" dirty="0">
-              <a:solidFill>
-                <a:srgbClr val="FF0000"/>
-              </a:solidFill>
-            </a:endParaRPr>
+              <a:t>Do NOT rely on the brain dump questions on the internet !!!</a:t>
+            </a:r>
+            <a:endParaRPr lang="en-US" sz="2800" dirty="0"/>
           </a:p>
           <a:p>
             <a:pPr lvl="1"/>
@@ -27488,32 +27364,28 @@
       </p:sp>
       <p:graphicFrame>
         <p:nvGraphicFramePr>
-          <p:cNvPr id="7" name="Object 6"/>
+          <p:cNvPr id="4" name="Object 3"/>
           <p:cNvGraphicFramePr>
             <a:graphicFrameLocks noChangeAspect="1"/>
           </p:cNvGraphicFramePr>
           <p:nvPr>
-            <p:extLst>
-              <p:ext uri="{D42A27DB-BD31-4B8C-83A1-F6EECF244321}">
-                <p14:modId xmlns:p14="http://schemas.microsoft.com/office/powerpoint/2010/main" val="1073475957"/>
-              </p:ext>
-            </p:extLst>
+            <p:extLst/>
           </p:nvPr>
         </p:nvGraphicFramePr>
         <p:xfrm>
-          <a:off x="9277265" y="4273323"/>
-          <a:ext cx="914400" cy="806450"/>
+          <a:off x="3304928" y="5167991"/>
+          <a:ext cx="705343" cy="622073"/>
         </p:xfrm>
         <a:graphic>
           <a:graphicData uri="http://schemas.openxmlformats.org/presentationml/2006/ole">
             <mc:AlternateContent xmlns:mc="http://schemas.openxmlformats.org/markup-compatibility/2006">
               <mc:Choice xmlns:v="urn:schemas-microsoft-com:vml" Requires="v">
-                <p:oleObj spid="_x0000_s2054" name="Document" showAsIcon="1" r:id="rId5" imgW="914400" imgH="806400" progId="Word.Document.12">
+                <p:oleObj spid="_x0000_s3075" name="Document" showAsIcon="1" r:id="rId4" imgW="914400" imgH="806400" progId="Word.Document.12">
                   <p:embed/>
                 </p:oleObj>
               </mc:Choice>
               <mc:Fallback>
-                <p:oleObj name="Document" showAsIcon="1" r:id="rId5" imgW="914400" imgH="806400" progId="Word.Document.12">
+                <p:oleObj name="Document" showAsIcon="1" r:id="rId4" imgW="914400" imgH="806400" progId="Word.Document.12">
                   <p:embed/>
                   <p:pic>
                     <p:nvPicPr>
@@ -27522,15 +27394,15 @@
                       <p:nvPr/>
                     </p:nvPicPr>
                     <p:blipFill>
-                      <a:blip r:embed="rId6"/>
+                      <a:blip r:embed="rId5"/>
                       <a:stretch>
                         <a:fillRect/>
                       </a:stretch>
                     </p:blipFill>
                     <p:spPr>
                       <a:xfrm>
-                        <a:off x="9277265" y="4273323"/>
-                        <a:ext cx="914400" cy="806450"/>
+                        <a:off x="3304928" y="5167991"/>
+                        <a:ext cx="705343" cy="622073"/>
                       </a:xfrm>
                       <a:prstGeom prst="rect">
                         <a:avLst/>
@@ -27546,12 +27418,12 @@
     </p:spTree>
     <p:extLst>
       <p:ext uri="{BB962C8B-B14F-4D97-AF65-F5344CB8AC3E}">
-        <p14:creationId xmlns:p14="http://schemas.microsoft.com/office/powerpoint/2010/main" val="1407140707"/>
+        <p14:creationId xmlns:p14="http://schemas.microsoft.com/office/powerpoint/2010/main" val="3504591278"/>
       </p:ext>
     </p:extLst>
   </p:cSld>
   <p:clrMapOvr>
-    <a:overrideClrMapping bg1="lt1" tx1="dk1" bg2="lt2" tx2="dk2" accent1="accent1" accent2="accent2" accent3="accent3" accent4="accent4" accent5="accent5" accent6="accent6" hlink="hlink" folHlink="folHlink"/>
+    <a:masterClrMapping/>
   </p:clrMapOvr>
   <mc:AlternateContent xmlns:mc="http://schemas.openxmlformats.org/markup-compatibility/2006" xmlns:p14="http://schemas.microsoft.com/office/powerpoint/2010/main">
     <mc:Choice Requires="p14">
@@ -27571,11 +27443,6 @@
 <file path=ppt/slides/slide8.xml><?xml version="1.0" encoding="utf-8"?>
 <p:sld xmlns:a="http://schemas.openxmlformats.org/drawingml/2006/main" xmlns:r="http://schemas.openxmlformats.org/officeDocument/2006/relationships" xmlns:p="http://schemas.openxmlformats.org/presentationml/2006/main">
   <p:cSld>
-    <p:bg>
-      <p:bgRef idx="1001">
-        <a:schemeClr val="bg1"/>
-      </p:bgRef>
-    </p:bg>
     <p:spTree>
       <p:nvGrpSpPr>
         <p:cNvPr id="1" name=""/>
@@ -27642,13 +27509,25 @@
         </p:spPr>
         <p:txBody>
           <a:bodyPr>
-            <a:normAutofit/>
+            <a:normAutofit lnSpcReduction="10000"/>
           </a:bodyPr>
           <a:lstStyle/>
           <a:p>
             <a:r>
               <a:rPr lang="en-US" sz="1800" dirty="0"/>
-              <a:t>Time availability for the exam – Just enough. Be patient and look for the “Trick questions” , the ones with – NOT , Except etc.…</a:t>
+              <a:t>Time availability for the exam – Just enough. Be patient and look for the “Trick questions” , the ones with – NOT , Does Not , All except , </a:t>
+            </a:r>
+            <a:r>
+              <a:rPr lang="en-US" sz="1800" dirty="0">
+                <a:solidFill>
+                  <a:srgbClr val="FF0000"/>
+                </a:solidFill>
+              </a:rPr>
+              <a:t>All of the above </a:t>
+            </a:r>
+            <a:r>
+              <a:rPr lang="en-US" sz="1800" dirty="0"/>
+              <a:t>or even None of the above etc.…</a:t>
             </a:r>
           </a:p>
           <a:p>
@@ -27678,32 +27557,28 @@
           </a:p>
           <a:p>
             <a:r>
-              <a:rPr lang="en-US" sz="1800" dirty="0"/>
-              <a:t>Read questions first and then read the case study (Saves time). </a:t>
-            </a:r>
-          </a:p>
-          <a:p>
-            <a:r>
-              <a:rPr lang="en-US" sz="1800" dirty="0"/>
-              <a:t>The questions are complex and answering takes time. The case studies (5-6 questions per case study) are </a:t>
-            </a:r>
-            <a:r>
               <a:rPr lang="en-US" sz="1800" dirty="0">
                 <a:solidFill>
                   <a:srgbClr val="FF0000"/>
                 </a:solidFill>
               </a:rPr>
-              <a:t>enclosed</a:t>
+              <a:t>Read questions first </a:t>
             </a:r>
             <a:r>
               <a:rPr lang="en-US" sz="1800" dirty="0"/>
-              <a:t> so once you answer you cannot go back. You need at least 15-20 minutes for each case study and there are at least 3.</a:t>
+              <a:t>and then read the case study (Saves time). </a:t>
             </a:r>
           </a:p>
           <a:p>
             <a:r>
               <a:rPr lang="en-US" sz="1800" dirty="0"/>
-              <a:t>Make </a:t>
+              <a:t>The case studies are complex and the section is enclosed – i.e. once you answer &amp; leave the section you cannot go back. (Put 15-20 Minutes/Case Study. 5-6 questions per case study) </a:t>
+            </a:r>
+          </a:p>
+          <a:p>
+            <a:r>
+              <a:rPr lang="en-US" sz="1800" dirty="0"/>
+              <a:t>Create </a:t>
             </a:r>
             <a:r>
               <a:rPr lang="en-US" sz="1800" dirty="0">
@@ -27715,19 +27590,19 @@
             </a:r>
             <a:r>
               <a:rPr lang="en-US" sz="1800" dirty="0"/>
-              <a:t>and read the Azure Services limits, sizes and plans just before entering for the exam. </a:t>
+              <a:t>and read the Azure Services limits, sizes and plans just before taking the exam. </a:t>
             </a:r>
           </a:p>
           <a:p>
             <a:r>
               <a:rPr lang="en-US" sz="1800" dirty="0"/>
-              <a:t>Take your time and come back to the answers. Many times I changed the answer  because I understood more going through other questions from the same case study (but before closing the particular one).</a:t>
+              <a:t>Take your time and revisit your responses. </a:t>
             </a:r>
           </a:p>
           <a:p>
             <a:r>
               <a:rPr lang="en-US" sz="1800" dirty="0"/>
-              <a:t>For some questions I had absolutely no clue!! Use logic and try to </a:t>
+              <a:t>Have absolutely no clue about a question!! Use logic and try to </a:t>
             </a:r>
             <a:r>
               <a:rPr lang="en-US" sz="1800" dirty="0">
@@ -27739,7 +27614,7 @@
             </a:r>
             <a:r>
               <a:rPr lang="en-US" sz="1800" dirty="0"/>
-              <a:t>. Some answers are far away from the correct one usually 2 are closer to the truth.</a:t>
+              <a:t>.</a:t>
             </a:r>
           </a:p>
           <a:p>
@@ -27761,7 +27636,44 @@
             </a:r>
           </a:p>
           <a:p>
-            <a:endParaRPr lang="en-US" sz="1550" dirty="0"/>
+            <a:pPr lvl="1"/>
+            <a:r>
+              <a:rPr lang="en-US" sz="1400" dirty="0"/>
+              <a:t>There is a section with </a:t>
+            </a:r>
+            <a:r>
+              <a:rPr lang="en-US" sz="1400" dirty="0">
+                <a:solidFill>
+                  <a:srgbClr val="FF0000"/>
+                </a:solidFill>
+              </a:rPr>
+              <a:t>Yes /No question </a:t>
+            </a:r>
+            <a:r>
+              <a:rPr lang="en-US" sz="1400" dirty="0"/>
+              <a:t>– you only get one attempt to it. Respond before you move on , even within the section.</a:t>
+            </a:r>
+          </a:p>
+          <a:p>
+            <a:r>
+              <a:rPr lang="en-US" sz="1800" dirty="0"/>
+              <a:t>Everyone is different – Identify your strong areas and target it as much as you can. </a:t>
+            </a:r>
+          </a:p>
+          <a:p>
+            <a:r>
+              <a:rPr lang="en-US" sz="1800" dirty="0"/>
+              <a:t>Lastly – LAB !! LAB !! LAB !! - “Login and get hands on”  - Really helps a lot</a:t>
+            </a:r>
+          </a:p>
+          <a:p>
+            <a:pPr marL="0" indent="0" algn="ctr">
+              <a:buNone/>
+            </a:pPr>
+            <a:r>
+              <a:rPr lang="en-US" sz="2000" b="1" dirty="0"/>
+              <a:t>Good Luck !!</a:t>
+            </a:r>
           </a:p>
           <a:p>
             <a:pPr lvl="1"/>
@@ -27813,12 +27725,12 @@
     </p:spTree>
     <p:extLst>
       <p:ext uri="{BB962C8B-B14F-4D97-AF65-F5344CB8AC3E}">
-        <p14:creationId xmlns:p14="http://schemas.microsoft.com/office/powerpoint/2010/main" val="1912999749"/>
+        <p14:creationId xmlns:p14="http://schemas.microsoft.com/office/powerpoint/2010/main" val="2537477962"/>
       </p:ext>
     </p:extLst>
   </p:cSld>
   <p:clrMapOvr>
-    <a:overrideClrMapping bg1="lt1" tx1="dk1" bg2="lt2" tx2="dk2" accent1="accent1" accent2="accent2" accent3="accent3" accent4="accent4" accent5="accent5" accent6="accent6" hlink="hlink" folHlink="folHlink"/>
+    <a:masterClrMapping/>
   </p:clrMapOvr>
   <mc:AlternateContent xmlns:mc="http://schemas.openxmlformats.org/markup-compatibility/2006" xmlns:p14="http://schemas.microsoft.com/office/powerpoint/2010/main">
     <mc:Choice Requires="p14">
@@ -30099,90 +30011,4 @@
     </a:folHlink>
   </a:clrScheme>
 </a:themeOverride>
-</file>
-
-<file path=ppt/theme/themeOverride2.xml><?xml version="1.0" encoding="utf-8"?>
-<a:themeOverride xmlns:a="http://schemas.openxmlformats.org/drawingml/2006/main">
-  <a:clrScheme name="Office Theme">
-    <a:dk1>
-      <a:sysClr val="windowText" lastClr="000000"/>
-    </a:dk1>
-    <a:lt1>
-      <a:sysClr val="window" lastClr="FFFFFF"/>
-    </a:lt1>
-    <a:dk2>
-      <a:srgbClr val="44546A"/>
-    </a:dk2>
-    <a:lt2>
-      <a:srgbClr val="E7E6E6"/>
-    </a:lt2>
-    <a:accent1>
-      <a:srgbClr val="5B9BD5"/>
-    </a:accent1>
-    <a:accent2>
-      <a:srgbClr val="ED7D31"/>
-    </a:accent2>
-    <a:accent3>
-      <a:srgbClr val="A5A5A5"/>
-    </a:accent3>
-    <a:accent4>
-      <a:srgbClr val="FFC000"/>
-    </a:accent4>
-    <a:accent5>
-      <a:srgbClr val="4472C4"/>
-    </a:accent5>
-    <a:accent6>
-      <a:srgbClr val="70AD47"/>
-    </a:accent6>
-    <a:hlink>
-      <a:srgbClr val="0563C1"/>
-    </a:hlink>
-    <a:folHlink>
-      <a:srgbClr val="954F72"/>
-    </a:folHlink>
-  </a:clrScheme>
-</a:themeOverride>
-</file>
-
-<file path=ppt/theme/themeOverride3.xml><?xml version="1.0" encoding="utf-8"?>
-<a:themeOverride xmlns:a="http://schemas.openxmlformats.org/drawingml/2006/main">
-  <a:clrScheme name="Office Theme">
-    <a:dk1>
-      <a:sysClr val="windowText" lastClr="000000"/>
-    </a:dk1>
-    <a:lt1>
-      <a:sysClr val="window" lastClr="FFFFFF"/>
-    </a:lt1>
-    <a:dk2>
-      <a:srgbClr val="44546A"/>
-    </a:dk2>
-    <a:lt2>
-      <a:srgbClr val="E7E6E6"/>
-    </a:lt2>
-    <a:accent1>
-      <a:srgbClr val="5B9BD5"/>
-    </a:accent1>
-    <a:accent2>
-      <a:srgbClr val="ED7D31"/>
-    </a:accent2>
-    <a:accent3>
-      <a:srgbClr val="A5A5A5"/>
-    </a:accent3>
-    <a:accent4>
-      <a:srgbClr val="FFC000"/>
-    </a:accent4>
-    <a:accent5>
-      <a:srgbClr val="4472C4"/>
-    </a:accent5>
-    <a:accent6>
-      <a:srgbClr val="70AD47"/>
-    </a:accent6>
-    <a:hlink>
-      <a:srgbClr val="0563C1"/>
-    </a:hlink>
-    <a:folHlink>
-      <a:srgbClr val="954F72"/>
-    </a:folHlink>
-  </a:clrScheme>
-</a:themeOverride>
 </file>